--- a/Skyline Scumbles.pptx
+++ b/Skyline Scumbles.pptx
@@ -5522,9 +5522,6 @@
             </a:pPr>
             <a:r>
               <a:rPr lang="en-US" b="0" i="0" u="sng" dirty="0">
-                <a:solidFill>
-                  <a:srgbClr val="2D3B45"/>
-                </a:solidFill>
                 <a:effectLst/>
                 <a:latin typeface="Lato Extended"/>
               </a:rPr>
@@ -5532,9 +5529,6 @@
             </a:r>
             <a:r>
               <a:rPr lang="en-US" b="0" i="0" dirty="0">
-                <a:solidFill>
-                  <a:srgbClr val="2D3B45"/>
-                </a:solidFill>
                 <a:effectLst/>
                 <a:latin typeface="Lato Extended"/>
               </a:rPr>
@@ -5547,18 +5541,12 @@
             </a:pPr>
             <a:r>
               <a:rPr lang="en-US" u="sng" dirty="0">
-                <a:solidFill>
-                  <a:srgbClr val="2D3B45"/>
-                </a:solidFill>
                 <a:latin typeface="Lato Extended"/>
               </a:rPr>
               <a:t>Delay Factors by Year- </a:t>
             </a:r>
             <a:r>
               <a:rPr lang="en-US" dirty="0">
-                <a:solidFill>
-                  <a:srgbClr val="2D3B45"/>
-                </a:solidFill>
                 <a:latin typeface="Lato Extended"/>
               </a:rPr>
               <a:t>reveals how each delay factor has changed through the years</a:t>
@@ -5570,9 +5558,6 @@
             </a:pPr>
             <a:r>
               <a:rPr lang="en-US" b="0" i="0" u="sng" dirty="0">
-                <a:solidFill>
-                  <a:srgbClr val="2D3B45"/>
-                </a:solidFill>
                 <a:effectLst/>
                 <a:latin typeface="Lato Extended"/>
               </a:rPr>
@@ -5580,9 +5565,6 @@
             </a:r>
             <a:r>
               <a:rPr lang="en-US" b="0" i="0" dirty="0">
-                <a:solidFill>
-                  <a:srgbClr val="2D3B45"/>
-                </a:solidFill>
                 <a:effectLst/>
                 <a:latin typeface="Lato Extended"/>
               </a:rPr>
@@ -5595,18 +5577,12 @@
             </a:pPr>
             <a:r>
               <a:rPr lang="en-US" u="sng" dirty="0">
-                <a:solidFill>
-                  <a:srgbClr val="2D3B45"/>
-                </a:solidFill>
                 <a:latin typeface="Lato Extended"/>
               </a:rPr>
               <a:t>Late Aircraft vs Weather Delay- </a:t>
             </a:r>
             <a:r>
               <a:rPr lang="en-US" dirty="0">
-                <a:solidFill>
-                  <a:srgbClr val="2D3B45"/>
-                </a:solidFill>
                 <a:latin typeface="Lato Extended"/>
               </a:rPr>
               <a:t>reveals how weather delays make up most of the late aircraft delays</a:t>
@@ -5618,26 +5594,17 @@
             </a:pPr>
             <a:r>
               <a:rPr lang="en-US" u="sng" dirty="0">
-                <a:solidFill>
-                  <a:srgbClr val="2D3B45"/>
-                </a:solidFill>
                 <a:latin typeface="Lato Extended"/>
               </a:rPr>
               <a:t>Security Delay by Aircraft- </a:t>
             </a:r>
             <a:r>
               <a:rPr lang="en-US" dirty="0">
-                <a:solidFill>
-                  <a:srgbClr val="2D3B45"/>
-                </a:solidFill>
                 <a:latin typeface="Lato Extended"/>
               </a:rPr>
               <a:t>reveals the airlines most impacted by security delays</a:t>
             </a:r>
             <a:endParaRPr lang="en-US" b="0" i="0" dirty="0">
-              <a:solidFill>
-                <a:srgbClr val="2D3B45"/>
-              </a:solidFill>
               <a:effectLst/>
               <a:latin typeface="Lato Extended"/>
             </a:endParaRPr>
@@ -7213,7 +7180,7 @@
         </p:nvSpPr>
         <p:spPr>
           <a:xfrm>
-            <a:off x="494522" y="2955857"/>
+            <a:off x="1454020" y="2828835"/>
             <a:ext cx="9283960" cy="1200329"/>
           </a:xfrm>
           <a:prstGeom prst="rect">
